--- a/Final project.pptx
+++ b/Final project.pptx
@@ -5,7 +5,7 @@
     <p:sldMasterId id="2147483712" r:id="rId4"/>
   </p:sldMasterIdLst>
   <p:notesMasterIdLst>
-    <p:notesMasterId r:id="rId10"/>
+    <p:notesMasterId r:id="rId13"/>
   </p:notesMasterIdLst>
   <p:sldIdLst>
     <p:sldId id="259" r:id="rId5"/>
@@ -13,6 +13,9 @@
     <p:sldId id="263" r:id="rId7"/>
     <p:sldId id="260" r:id="rId8"/>
     <p:sldId id="262" r:id="rId9"/>
+    <p:sldId id="264" r:id="rId10"/>
+    <p:sldId id="265" r:id="rId11"/>
+    <p:sldId id="266" r:id="rId12"/>
   </p:sldIdLst>
   <p:sldSz cx="12192000" cy="6858000"/>
   <p:notesSz cx="6858000" cy="9144000"/>
@@ -5062,6 +5065,341 @@
     <p:extLst>
       <p:ext uri="{BB962C8B-B14F-4D97-AF65-F5344CB8AC3E}">
         <p14:creationId xmlns:p14="http://schemas.microsoft.com/office/powerpoint/2010/main" val="2138965893"/>
+      </p:ext>
+    </p:extLst>
+  </p:cSld>
+  <p:clrMapOvr>
+    <a:masterClrMapping/>
+  </p:clrMapOvr>
+</p:sld>
+</file>
+
+<file path=ppt/slides/slide6.xml><?xml version="1.0" encoding="utf-8"?>
+<p:sld xmlns:a="http://schemas.openxmlformats.org/drawingml/2006/main" xmlns:r="http://schemas.openxmlformats.org/officeDocument/2006/relationships" xmlns:p="http://schemas.openxmlformats.org/presentationml/2006/main">
+  <p:cSld>
+    <p:spTree>
+      <p:nvGrpSpPr>
+        <p:cNvPr id="1" name=""/>
+        <p:cNvGrpSpPr/>
+        <p:nvPr/>
+      </p:nvGrpSpPr>
+      <p:grpSpPr>
+        <a:xfrm>
+          <a:off x="0" y="0"/>
+          <a:ext cx="0" cy="0"/>
+          <a:chOff x="0" y="0"/>
+          <a:chExt cx="0" cy="0"/>
+        </a:xfrm>
+      </p:grpSpPr>
+      <p:pic>
+        <p:nvPicPr>
+          <p:cNvPr id="5" name="Picture 4">
+            <a:extLst>
+              <a:ext uri="{FF2B5EF4-FFF2-40B4-BE49-F238E27FC236}">
+                <a16:creationId xmlns:a16="http://schemas.microsoft.com/office/drawing/2014/main" id="{AC046D89-1A2F-543E-8803-4EA85AA8381D}"/>
+              </a:ext>
+            </a:extLst>
+          </p:cNvPr>
+          <p:cNvPicPr>
+            <a:picLocks noChangeAspect="1"/>
+          </p:cNvPicPr>
+          <p:nvPr/>
+        </p:nvPicPr>
+        <p:blipFill>
+          <a:blip r:embed="rId2"/>
+          <a:stretch>
+            <a:fillRect/>
+          </a:stretch>
+        </p:blipFill>
+        <p:spPr>
+          <a:xfrm>
+            <a:off x="0" y="0"/>
+            <a:ext cx="12192000" cy="6858000"/>
+          </a:xfrm>
+          <a:prstGeom prst="rect">
+            <a:avLst/>
+          </a:prstGeom>
+        </p:spPr>
+      </p:pic>
+    </p:spTree>
+    <p:extLst>
+      <p:ext uri="{BB962C8B-B14F-4D97-AF65-F5344CB8AC3E}">
+        <p14:creationId xmlns:p14="http://schemas.microsoft.com/office/powerpoint/2010/main" val="435381161"/>
+      </p:ext>
+    </p:extLst>
+  </p:cSld>
+  <p:clrMapOvr>
+    <a:masterClrMapping/>
+  </p:clrMapOvr>
+</p:sld>
+</file>
+
+<file path=ppt/slides/slide7.xml><?xml version="1.0" encoding="utf-8"?>
+<p:sld xmlns:a="http://schemas.openxmlformats.org/drawingml/2006/main" xmlns:r="http://schemas.openxmlformats.org/officeDocument/2006/relationships" xmlns:p="http://schemas.openxmlformats.org/presentationml/2006/main">
+  <p:cSld>
+    <p:spTree>
+      <p:nvGrpSpPr>
+        <p:cNvPr id="1" name=""/>
+        <p:cNvGrpSpPr/>
+        <p:nvPr/>
+      </p:nvGrpSpPr>
+      <p:grpSpPr>
+        <a:xfrm>
+          <a:off x="0" y="0"/>
+          <a:ext cx="0" cy="0"/>
+          <a:chOff x="0" y="0"/>
+          <a:chExt cx="0" cy="0"/>
+        </a:xfrm>
+      </p:grpSpPr>
+      <p:sp>
+        <p:nvSpPr>
+          <p:cNvPr id="3" name="TextBox 2">
+            <a:extLst>
+              <a:ext uri="{FF2B5EF4-FFF2-40B4-BE49-F238E27FC236}">
+                <a16:creationId xmlns:a16="http://schemas.microsoft.com/office/drawing/2014/main" id="{2A4D3F55-20A6-7B4C-189A-0A389B3BA9F8}"/>
+              </a:ext>
+            </a:extLst>
+          </p:cNvPr>
+          <p:cNvSpPr txBox="1"/>
+          <p:nvPr/>
+        </p:nvSpPr>
+        <p:spPr>
+          <a:xfrm>
+            <a:off x="223520" y="589280"/>
+            <a:ext cx="11551920" cy="6463308"/>
+          </a:xfrm>
+          <a:prstGeom prst="rect">
+            <a:avLst/>
+          </a:prstGeom>
+          <a:noFill/>
+        </p:spPr>
+        <p:txBody>
+          <a:bodyPr wrap="square">
+            <a:spAutoFit/>
+          </a:bodyPr>
+          <a:lstStyle/>
+          <a:p>
+            <a:r>
+              <a:rPr lang="en-US" dirty="0"/>
+              <a:t>Real-time weather information: Display current temperature, feels-like temperature, weather conditions (sunny, rainy, cloudy), humidity, wind speed and direction, and precipitation chance.</a:t>
+            </a:r>
+          </a:p>
+          <a:p>
+            <a:r>
+              <a:rPr lang="en-US" dirty="0"/>
+              <a:t>Hourly and Daily Forecasts: Visualize upcoming weather trends for the next few hours and days, including temperature, precipitation, and weather conditions.</a:t>
+            </a:r>
+          </a:p>
+          <a:p>
+            <a:r>
+              <a:rPr lang="en-US" dirty="0"/>
+              <a:t>Multiple Location Support: Allow users to add and switch between preferred locations, automatically detecting current location if desired.</a:t>
+            </a:r>
+          </a:p>
+          <a:p>
+            <a:r>
+              <a:rPr lang="en-US" dirty="0"/>
+              <a:t>Alerts and Warnings: Send timely notifications for severe weather events like thunderstorms, heavy rain, or extreme temperatures.</a:t>
+            </a:r>
+          </a:p>
+          <a:p>
+            <a:r>
+              <a:rPr lang="en-US" dirty="0"/>
+              <a:t>Customizable Interface: Enable users to personalize units of measurement, choose preferred data points displayed on the main screen, and set notification preferences.</a:t>
+            </a:r>
+          </a:p>
+          <a:p>
+            <a:r>
+              <a:rPr lang="en-US" dirty="0"/>
+              <a:t>Advanced Features:</a:t>
+            </a:r>
+          </a:p>
+          <a:p>
+            <a:endParaRPr lang="en-US" dirty="0"/>
+          </a:p>
+          <a:p>
+            <a:r>
+              <a:rPr lang="en-US" dirty="0"/>
+              <a:t>Extended Forecasts: Provide detailed weather forecasts for up to a week or more, including potential rain amounts, wind speeds, and UV index.</a:t>
+            </a:r>
+          </a:p>
+          <a:p>
+            <a:r>
+              <a:rPr lang="en-US" dirty="0"/>
+              <a:t>Interactive Radar and Maps: Offer real-time radar maps for visualizing precipitation patterns and interactive maps showing current temperature, wind, and other weather conditions.</a:t>
+            </a:r>
+          </a:p>
+          <a:p>
+            <a:r>
+              <a:rPr lang="en-US" dirty="0"/>
+              <a:t>Weather Trends and Insights: Analyze historical data to identify trends and provide insights into seasonal patterns or potential future events.</a:t>
+            </a:r>
+          </a:p>
+          <a:p>
+            <a:r>
+              <a:rPr lang="en-US" dirty="0"/>
+              <a:t>Sunrise and Sunset Times: Display sunrise and sunset times for the user's location.</a:t>
+            </a:r>
+          </a:p>
+          <a:p>
+            <a:r>
+              <a:rPr lang="en-US" dirty="0"/>
+              <a:t>Air Quality Index: Integrate air quality data to inform users about potential health risks from pollution levels.</a:t>
+            </a:r>
+          </a:p>
+          <a:p>
+            <a:r>
+              <a:rPr lang="en-US" dirty="0"/>
+              <a:t>Travel Planning: Provide weather forecasts and insights specifically for travel dates and destinations.</a:t>
+            </a:r>
+          </a:p>
+          <a:p>
+            <a:r>
+              <a:rPr lang="en-US" dirty="0"/>
+              <a:t>Home Automation Integration: Connect with smart home devices like thermostats and sprinklers to adjust settings based on weather conditions.</a:t>
+            </a:r>
+          </a:p>
+        </p:txBody>
+      </p:sp>
+    </p:spTree>
+    <p:extLst>
+      <p:ext uri="{BB962C8B-B14F-4D97-AF65-F5344CB8AC3E}">
+        <p14:creationId xmlns:p14="http://schemas.microsoft.com/office/powerpoint/2010/main" val="1015961620"/>
+      </p:ext>
+    </p:extLst>
+  </p:cSld>
+  <p:clrMapOvr>
+    <a:masterClrMapping/>
+  </p:clrMapOvr>
+</p:sld>
+</file>
+
+<file path=ppt/slides/slide8.xml><?xml version="1.0" encoding="utf-8"?>
+<p:sld xmlns:a="http://schemas.openxmlformats.org/drawingml/2006/main" xmlns:r="http://schemas.openxmlformats.org/officeDocument/2006/relationships" xmlns:p="http://schemas.openxmlformats.org/presentationml/2006/main">
+  <p:cSld>
+    <p:spTree>
+      <p:nvGrpSpPr>
+        <p:cNvPr id="1" name=""/>
+        <p:cNvGrpSpPr/>
+        <p:nvPr/>
+      </p:nvGrpSpPr>
+      <p:grpSpPr>
+        <a:xfrm>
+          <a:off x="0" y="0"/>
+          <a:ext cx="0" cy="0"/>
+          <a:chOff x="0" y="0"/>
+          <a:chExt cx="0" cy="0"/>
+        </a:xfrm>
+      </p:grpSpPr>
+      <p:sp>
+        <p:nvSpPr>
+          <p:cNvPr id="3" name="TextBox 2">
+            <a:extLst>
+              <a:ext uri="{FF2B5EF4-FFF2-40B4-BE49-F238E27FC236}">
+                <a16:creationId xmlns:a16="http://schemas.microsoft.com/office/drawing/2014/main" id="{20BEEAB4-1C4D-B457-37F9-9A98B8561593}"/>
+              </a:ext>
+            </a:extLst>
+          </p:cNvPr>
+          <p:cNvSpPr txBox="1"/>
+          <p:nvPr/>
+        </p:nvSpPr>
+        <p:spPr>
+          <a:xfrm>
+            <a:off x="457200" y="701039"/>
+            <a:ext cx="11074400" cy="2862322"/>
+          </a:xfrm>
+          <a:prstGeom prst="rect">
+            <a:avLst/>
+          </a:prstGeom>
+          <a:noFill/>
+        </p:spPr>
+        <p:txBody>
+          <a:bodyPr wrap="square">
+            <a:spAutoFit/>
+          </a:bodyPr>
+          <a:lstStyle/>
+          <a:p>
+            <a:r>
+              <a:rPr lang="en-US" dirty="0"/>
+              <a:t>Additional Considerations:</a:t>
+            </a:r>
+          </a:p>
+          <a:p>
+            <a:endParaRPr lang="en-US" dirty="0"/>
+          </a:p>
+          <a:p>
+            <a:r>
+              <a:rPr lang="en-US" dirty="0"/>
+              <a:t>Data Sources: Ensure reliable and accurate data sources for weather information, such as governmental agencies or reputable weather services.</a:t>
+            </a:r>
+          </a:p>
+          <a:p>
+            <a:r>
+              <a:rPr lang="en-US" dirty="0"/>
+              <a:t>Offline Functionality: Allow users to access basic weather information even when offline.</a:t>
+            </a:r>
+          </a:p>
+          <a:p>
+            <a:r>
+              <a:rPr lang="en-US" dirty="0"/>
+              <a:t>Visual Design: Prioritize a clean, intuitive, and visually appealing interface for easy information access.</a:t>
+            </a:r>
+          </a:p>
+          <a:p>
+            <a:r>
+              <a:rPr lang="en-US" dirty="0"/>
+              <a:t>Accessibility: Make the app accessible to users with disabilities.</a:t>
+            </a:r>
+          </a:p>
+          <a:p>
+            <a:r>
+              <a:rPr lang="en-US" dirty="0"/>
+              <a:t>By incorporating these features and considering these factors, you can create a weather app that stands out from the crowd, providing valuable information and a seamless user experience. Remember, the key is to tailor your app's features to your target audience and their specific needs.</a:t>
+            </a:r>
+          </a:p>
+        </p:txBody>
+      </p:sp>
+      <p:sp>
+        <p:nvSpPr>
+          <p:cNvPr id="4" name="TextBox 3">
+            <a:extLst>
+              <a:ext uri="{FF2B5EF4-FFF2-40B4-BE49-F238E27FC236}">
+                <a16:creationId xmlns:a16="http://schemas.microsoft.com/office/drawing/2014/main" id="{0F32E569-D016-CD03-85A7-D6A5E92F5311}"/>
+              </a:ext>
+            </a:extLst>
+          </p:cNvPr>
+          <p:cNvSpPr txBox="1"/>
+          <p:nvPr/>
+        </p:nvSpPr>
+        <p:spPr>
+          <a:xfrm>
+            <a:off x="4714240" y="4836160"/>
+            <a:ext cx="6614160" cy="369332"/>
+          </a:xfrm>
+          <a:prstGeom prst="rect">
+            <a:avLst/>
+          </a:prstGeom>
+          <a:noFill/>
+        </p:spPr>
+        <p:txBody>
+          <a:bodyPr wrap="square" rtlCol="0">
+            <a:spAutoFit/>
+          </a:bodyPr>
+          <a:lstStyle/>
+          <a:p>
+            <a:r>
+              <a:rPr lang="en-US" b="1" dirty="0">
+                <a:latin typeface="Arial Narrow" panose="020B0606020202030204" pitchFamily="34" charset="0"/>
+              </a:rPr>
+              <a:t>Thank You</a:t>
+            </a:r>
+          </a:p>
+        </p:txBody>
+      </p:sp>
+    </p:spTree>
+    <p:extLst>
+      <p:ext uri="{BB962C8B-B14F-4D97-AF65-F5344CB8AC3E}">
+        <p14:creationId xmlns:p14="http://schemas.microsoft.com/office/powerpoint/2010/main" val="3343709033"/>
       </p:ext>
     </p:extLst>
   </p:cSld>
@@ -5645,15 +5983,6 @@
 </file>
 
 <file path=customXml/item2.xml><?xml version="1.0" encoding="utf-8"?>
-<p:properties xmlns:p="http://schemas.microsoft.com/office/2006/metadata/properties" xmlns:xsi="http://www.w3.org/2001/XMLSchema-instance" xmlns:pc="http://schemas.microsoft.com/office/infopath/2007/PartnerControls">
-  <documentManagement>
-    <Status xmlns="71af3243-3dd4-4a8d-8c0d-dd76da1f02a5">Not started</Status>
-    <MediaServiceKeyPoints xmlns="71af3243-3dd4-4a8d-8c0d-dd76da1f02a5" xsi:nil="true"/>
-  </documentManagement>
-</p:properties>
-</file>
-
-<file path=customXml/item3.xml><?xml version="1.0" encoding="utf-8"?>
 <ct:contentTypeSchema xmlns:ct="http://schemas.microsoft.com/office/2006/metadata/contentType" xmlns:ma="http://schemas.microsoft.com/office/2006/metadata/properties/metaAttributes" ct:_="" ma:_="" ma:contentTypeName="Document" ma:contentTypeID="0x01010079F111ED35F8CC479449609E8A0923A6" ma:contentTypeVersion="12" ma:contentTypeDescription="Create a new document." ma:contentTypeScope="" ma:versionID="a410dd7f93c95333ffa1b60ed6adedd1">
   <xsd:schema xmlns:xsd="http://www.w3.org/2001/XMLSchema" xmlns:xs="http://www.w3.org/2001/XMLSchema" xmlns:p="http://schemas.microsoft.com/office/2006/metadata/properties" xmlns:ns2="71af3243-3dd4-4a8d-8c0d-dd76da1f02a5" xmlns:ns3="16c05727-aa75-4e4a-9b5f-8a80a1165891" targetNamespace="http://schemas.microsoft.com/office/2006/metadata/properties" ma:root="true" ma:fieldsID="a936d9baba76aa3866493feff160faab" ns2:_="" ns3:_="">
     <xsd:import namespace="71af3243-3dd4-4a8d-8c0d-dd76da1f02a5"/>
@@ -5874,6 +6203,15 @@
 </ct:contentTypeSchema>
 </file>
 
+<file path=customXml/item3.xml><?xml version="1.0" encoding="utf-8"?>
+<p:properties xmlns:p="http://schemas.microsoft.com/office/2006/metadata/properties" xmlns:xsi="http://www.w3.org/2001/XMLSchema-instance" xmlns:pc="http://schemas.microsoft.com/office/infopath/2007/PartnerControls">
+  <documentManagement>
+    <Status xmlns="71af3243-3dd4-4a8d-8c0d-dd76da1f02a5">Not started</Status>
+    <MediaServiceKeyPoints xmlns="71af3243-3dd4-4a8d-8c0d-dd76da1f02a5" xsi:nil="true"/>
+  </documentManagement>
+</p:properties>
+</file>
+
 <file path=customXml/itemProps1.xml><?xml version="1.0" encoding="utf-8"?>
 <ds:datastoreItem xmlns:ds="http://schemas.openxmlformats.org/officeDocument/2006/customXml" ds:itemID="{927BD4C1-B6B1-4715-ABF9-E660A51A4EA0}">
   <ds:schemaRefs>
@@ -5883,16 +6221,6 @@
 </file>
 
 <file path=customXml/itemProps2.xml><?xml version="1.0" encoding="utf-8"?>
-<ds:datastoreItem xmlns:ds="http://schemas.openxmlformats.org/officeDocument/2006/customXml" ds:itemID="{8D289AE2-D2AE-49D1-AFAC-3A79F6794255}">
-  <ds:schemaRefs>
-    <ds:schemaRef ds:uri="http://schemas.microsoft.com/office/2006/metadata/properties"/>
-    <ds:schemaRef ds:uri="http://schemas.microsoft.com/office/infopath/2007/PartnerControls"/>
-    <ds:schemaRef ds:uri="71af3243-3dd4-4a8d-8c0d-dd76da1f02a5"/>
-  </ds:schemaRefs>
-</ds:datastoreItem>
-</file>
-
-<file path=customXml/itemProps3.xml><?xml version="1.0" encoding="utf-8"?>
 <ds:datastoreItem xmlns:ds="http://schemas.openxmlformats.org/officeDocument/2006/customXml" ds:itemID="{41E7CA09-9778-4414-AE97-8064B12DA30E}">
   <ds:schemaRefs>
     <ds:schemaRef ds:uri="http://schemas.microsoft.com/office/2006/metadata/contentType"/>
@@ -5909,4 +6237,14 @@
     <ds:schemaRef ds:uri="http://schemas.microsoft.com/internal/obd"/>
   </ds:schemaRefs>
 </ds:datastoreItem>
+</file>
+
+<file path=customXml/itemProps3.xml><?xml version="1.0" encoding="utf-8"?>
+<ds:datastoreItem xmlns:ds="http://schemas.openxmlformats.org/officeDocument/2006/customXml" ds:itemID="{8D289AE2-D2AE-49D1-AFAC-3A79F6794255}">
+  <ds:schemaRefs>
+    <ds:schemaRef ds:uri="http://schemas.microsoft.com/office/2006/metadata/properties"/>
+    <ds:schemaRef ds:uri="http://schemas.microsoft.com/office/infopath/2007/PartnerControls"/>
+    <ds:schemaRef ds:uri="71af3243-3dd4-4a8d-8c0d-dd76da1f02a5"/>
+  </ds:schemaRefs>
+</ds:datastoreItem>
 </file>